--- a/Reports/templates/PM25/Reporting_Template_Base_PM25.pptx
+++ b/Reports/templates/PM25/Reporting_Template_Base_PM25.pptx
@@ -147,6 +147,249 @@
 
 <file path=ppt/changesInfos/changesInfo1.xml><?xml version="1.0" encoding="utf-8"?>
 <pc:chgInfo xmlns:a="http://schemas.openxmlformats.org/drawingml/2006/main" xmlns:r="http://schemas.openxmlformats.org/officeDocument/2006/relationships" xmlns:ac="http://schemas.microsoft.com/office/drawing/2013/main/command" xmlns:pc="http://schemas.microsoft.com/office/powerpoint/2013/main/command">
+  <pc:docChgLst>
+    <pc:chgData name="Frederick, Samuel" userId="090dec4f-7d84-4616-bef6-b2226d1b24c4" providerId="ADAL" clId="{16E7F5A5-37CD-4DCF-AA86-0430B846547F}"/>
+    <pc:docChg chg="custSel modSld modMainMaster">
+      <pc:chgData name="Frederick, Samuel" userId="090dec4f-7d84-4616-bef6-b2226d1b24c4" providerId="ADAL" clId="{16E7F5A5-37CD-4DCF-AA86-0430B846547F}" dt="2021-06-25T17:32:23.351" v="27" actId="20577"/>
+      <pc:docMkLst>
+        <pc:docMk/>
+      </pc:docMkLst>
+      <pc:sldChg chg="addSp delSp modSp mod">
+        <pc:chgData name="Frederick, Samuel" userId="090dec4f-7d84-4616-bef6-b2226d1b24c4" providerId="ADAL" clId="{16E7F5A5-37CD-4DCF-AA86-0430B846547F}" dt="2021-06-25T17:32:23.351" v="27" actId="20577"/>
+        <pc:sldMkLst>
+          <pc:docMk/>
+          <pc:sldMk cId="1609848839" sldId="256"/>
+        </pc:sldMkLst>
+        <pc:spChg chg="add mod">
+          <ac:chgData name="Frederick, Samuel" userId="090dec4f-7d84-4616-bef6-b2226d1b24c4" providerId="ADAL" clId="{16E7F5A5-37CD-4DCF-AA86-0430B846547F}" dt="2021-06-25T17:28:15.461" v="9"/>
+          <ac:spMkLst>
+            <pc:docMk/>
+            <pc:sldMk cId="1609848839" sldId="256"/>
+            <ac:spMk id="2" creationId="{DF25D9C5-0140-43A2-9D86-F50EC8F42E3A}"/>
+          </ac:spMkLst>
+        </pc:spChg>
+        <pc:spChg chg="del">
+          <ac:chgData name="Frederick, Samuel" userId="090dec4f-7d84-4616-bef6-b2226d1b24c4" providerId="ADAL" clId="{16E7F5A5-37CD-4DCF-AA86-0430B846547F}" dt="2021-06-25T17:28:15.461" v="9"/>
+          <ac:spMkLst>
+            <pc:docMk/>
+            <pc:sldMk cId="1609848839" sldId="256"/>
+            <ac:spMk id="3" creationId="{EC43C2E1-FF84-42C2-B9B6-D45A6FDCF74E}"/>
+          </ac:spMkLst>
+        </pc:spChg>
+        <pc:spChg chg="add mod">
+          <ac:chgData name="Frederick, Samuel" userId="090dec4f-7d84-4616-bef6-b2226d1b24c4" providerId="ADAL" clId="{16E7F5A5-37CD-4DCF-AA86-0430B846547F}" dt="2021-06-25T17:28:15.461" v="9"/>
+          <ac:spMkLst>
+            <pc:docMk/>
+            <pc:sldMk cId="1609848839" sldId="256"/>
+            <ac:spMk id="4" creationId="{5FA2AB1B-0DDB-4270-9042-278DCF800F26}"/>
+          </ac:spMkLst>
+        </pc:spChg>
+        <pc:spChg chg="add mod">
+          <ac:chgData name="Frederick, Samuel" userId="090dec4f-7d84-4616-bef6-b2226d1b24c4" providerId="ADAL" clId="{16E7F5A5-37CD-4DCF-AA86-0430B846547F}" dt="2021-06-25T17:28:15.461" v="9"/>
+          <ac:spMkLst>
+            <pc:docMk/>
+            <pc:sldMk cId="1609848839" sldId="256"/>
+            <ac:spMk id="6" creationId="{D5BA74ED-89C1-407E-9747-8407E312C6D6}"/>
+          </ac:spMkLst>
+        </pc:spChg>
+        <pc:spChg chg="del">
+          <ac:chgData name="Frederick, Samuel" userId="090dec4f-7d84-4616-bef6-b2226d1b24c4" providerId="ADAL" clId="{16E7F5A5-37CD-4DCF-AA86-0430B846547F}" dt="2021-06-25T17:28:15.461" v="9"/>
+          <ac:spMkLst>
+            <pc:docMk/>
+            <pc:sldMk cId="1609848839" sldId="256"/>
+            <ac:spMk id="30" creationId="{52383DDE-3607-48CE-A7B4-400D3E2BA74C}"/>
+          </ac:spMkLst>
+        </pc:spChg>
+        <pc:spChg chg="del">
+          <ac:chgData name="Frederick, Samuel" userId="090dec4f-7d84-4616-bef6-b2226d1b24c4" providerId="ADAL" clId="{16E7F5A5-37CD-4DCF-AA86-0430B846547F}" dt="2021-06-25T17:28:15.461" v="9"/>
+          <ac:spMkLst>
+            <pc:docMk/>
+            <pc:sldMk cId="1609848839" sldId="256"/>
+            <ac:spMk id="32" creationId="{8803B0E4-94DC-49ED-B09E-4AB178653AAC}"/>
+          </ac:spMkLst>
+        </pc:spChg>
+        <pc:graphicFrameChg chg="mod">
+          <ac:chgData name="Frederick, Samuel" userId="090dec4f-7d84-4616-bef6-b2226d1b24c4" providerId="ADAL" clId="{16E7F5A5-37CD-4DCF-AA86-0430B846547F}" dt="2021-06-25T17:29:35.720" v="12"/>
+          <ac:graphicFrameMkLst>
+            <pc:docMk/>
+            <pc:sldMk cId="1609848839" sldId="256"/>
+            <ac:graphicFrameMk id="18" creationId="{47941790-F508-45B8-841D-BA5D6A7CA69F}"/>
+          </ac:graphicFrameMkLst>
+        </pc:graphicFrameChg>
+        <pc:graphicFrameChg chg="mod modGraphic">
+          <ac:chgData name="Frederick, Samuel" userId="090dec4f-7d84-4616-bef6-b2226d1b24c4" providerId="ADAL" clId="{16E7F5A5-37CD-4DCF-AA86-0430B846547F}" dt="2021-06-25T17:31:36.901" v="18" actId="20577"/>
+          <ac:graphicFrameMkLst>
+            <pc:docMk/>
+            <pc:sldMk cId="1609848839" sldId="256"/>
+            <ac:graphicFrameMk id="75" creationId="{6EB4E630-8A33-412B-A3BF-8934090A792B}"/>
+          </ac:graphicFrameMkLst>
+        </pc:graphicFrameChg>
+        <pc:graphicFrameChg chg="modGraphic">
+          <ac:chgData name="Frederick, Samuel" userId="090dec4f-7d84-4616-bef6-b2226d1b24c4" providerId="ADAL" clId="{16E7F5A5-37CD-4DCF-AA86-0430B846547F}" dt="2021-06-25T17:32:23.351" v="27" actId="20577"/>
+          <ac:graphicFrameMkLst>
+            <pc:docMk/>
+            <pc:sldMk cId="1609848839" sldId="256"/>
+            <ac:graphicFrameMk id="76" creationId="{CFBC78B5-ECBB-4AC5-A5A0-78434B4C50A3}"/>
+          </ac:graphicFrameMkLst>
+        </pc:graphicFrameChg>
+      </pc:sldChg>
+      <pc:sldChg chg="addSp delSp modSp">
+        <pc:chgData name="Frederick, Samuel" userId="090dec4f-7d84-4616-bef6-b2226d1b24c4" providerId="ADAL" clId="{16E7F5A5-37CD-4DCF-AA86-0430B846547F}" dt="2021-06-25T17:28:34.500" v="11"/>
+        <pc:sldMkLst>
+          <pc:docMk/>
+          <pc:sldMk cId="3695094907" sldId="260"/>
+        </pc:sldMkLst>
+        <pc:spChg chg="del">
+          <ac:chgData name="Frederick, Samuel" userId="090dec4f-7d84-4616-bef6-b2226d1b24c4" providerId="ADAL" clId="{16E7F5A5-37CD-4DCF-AA86-0430B846547F}" dt="2021-06-25T17:28:19.994" v="10"/>
+          <ac:spMkLst>
+            <pc:docMk/>
+            <pc:sldMk cId="3695094907" sldId="260"/>
+            <ac:spMk id="2" creationId="{12BA04D6-C757-4968-BA01-F5D9DB9535A0}"/>
+          </ac:spMkLst>
+        </pc:spChg>
+        <pc:spChg chg="mod">
+          <ac:chgData name="Frederick, Samuel" userId="090dec4f-7d84-4616-bef6-b2226d1b24c4" providerId="ADAL" clId="{16E7F5A5-37CD-4DCF-AA86-0430B846547F}" dt="2021-06-25T17:28:34.500" v="11"/>
+          <ac:spMkLst>
+            <pc:docMk/>
+            <pc:sldMk cId="3695094907" sldId="260"/>
+            <ac:spMk id="3" creationId="{134F2AC9-9658-4E8C-BDC7-D0B45D979304}"/>
+          </ac:spMkLst>
+        </pc:spChg>
+        <pc:spChg chg="add del mod">
+          <ac:chgData name="Frederick, Samuel" userId="090dec4f-7d84-4616-bef6-b2226d1b24c4" providerId="ADAL" clId="{16E7F5A5-37CD-4DCF-AA86-0430B846547F}" dt="2021-06-25T17:28:34.500" v="11"/>
+          <ac:spMkLst>
+            <pc:docMk/>
+            <pc:sldMk cId="3695094907" sldId="260"/>
+            <ac:spMk id="4" creationId="{BD872500-41B1-4493-B51E-9C4455726B09}"/>
+          </ac:spMkLst>
+        </pc:spChg>
+        <pc:spChg chg="add del mod">
+          <ac:chgData name="Frederick, Samuel" userId="090dec4f-7d84-4616-bef6-b2226d1b24c4" providerId="ADAL" clId="{16E7F5A5-37CD-4DCF-AA86-0430B846547F}" dt="2021-06-25T17:28:34.500" v="11"/>
+          <ac:spMkLst>
+            <pc:docMk/>
+            <pc:sldMk cId="3695094907" sldId="260"/>
+            <ac:spMk id="9" creationId="{5D9DB8B7-AC2C-4666-ACFE-07D9C1A4959C}"/>
+          </ac:spMkLst>
+        </pc:spChg>
+        <pc:spChg chg="add del mod">
+          <ac:chgData name="Frederick, Samuel" userId="090dec4f-7d84-4616-bef6-b2226d1b24c4" providerId="ADAL" clId="{16E7F5A5-37CD-4DCF-AA86-0430B846547F}" dt="2021-06-25T17:28:34.500" v="11"/>
+          <ac:spMkLst>
+            <pc:docMk/>
+            <pc:sldMk cId="3695094907" sldId="260"/>
+            <ac:spMk id="10" creationId="{655821AA-1CEA-421C-B7D3-05D675322271}"/>
+          </ac:spMkLst>
+        </pc:spChg>
+        <pc:spChg chg="add mod">
+          <ac:chgData name="Frederick, Samuel" userId="090dec4f-7d84-4616-bef6-b2226d1b24c4" providerId="ADAL" clId="{16E7F5A5-37CD-4DCF-AA86-0430B846547F}" dt="2021-06-25T17:28:34.500" v="11"/>
+          <ac:spMkLst>
+            <pc:docMk/>
+            <pc:sldMk cId="3695094907" sldId="260"/>
+            <ac:spMk id="11" creationId="{298F8845-151A-4903-B51E-36945146BEA6}"/>
+          </ac:spMkLst>
+        </pc:spChg>
+        <pc:spChg chg="add mod">
+          <ac:chgData name="Frederick, Samuel" userId="090dec4f-7d84-4616-bef6-b2226d1b24c4" providerId="ADAL" clId="{16E7F5A5-37CD-4DCF-AA86-0430B846547F}" dt="2021-06-25T17:28:34.500" v="11"/>
+          <ac:spMkLst>
+            <pc:docMk/>
+            <pc:sldMk cId="3695094907" sldId="260"/>
+            <ac:spMk id="12" creationId="{A982DFAA-961C-4308-8521-CD2CC0B5C8EC}"/>
+          </ac:spMkLst>
+        </pc:spChg>
+        <pc:spChg chg="del">
+          <ac:chgData name="Frederick, Samuel" userId="090dec4f-7d84-4616-bef6-b2226d1b24c4" providerId="ADAL" clId="{16E7F5A5-37CD-4DCF-AA86-0430B846547F}" dt="2021-06-25T17:28:19.994" v="10"/>
+          <ac:spMkLst>
+            <pc:docMk/>
+            <pc:sldMk cId="3695094907" sldId="260"/>
+            <ac:spMk id="13" creationId="{57381A0D-B69E-4A24-B245-72BF7BC8473F}"/>
+          </ac:spMkLst>
+        </pc:spChg>
+        <pc:spChg chg="del">
+          <ac:chgData name="Frederick, Samuel" userId="090dec4f-7d84-4616-bef6-b2226d1b24c4" providerId="ADAL" clId="{16E7F5A5-37CD-4DCF-AA86-0430B846547F}" dt="2021-06-25T17:28:19.994" v="10"/>
+          <ac:spMkLst>
+            <pc:docMk/>
+            <pc:sldMk cId="3695094907" sldId="260"/>
+            <ac:spMk id="14" creationId="{82BD2AFD-C4C4-4B13-9B40-F1FA8C3DD477}"/>
+          </ac:spMkLst>
+        </pc:spChg>
+        <pc:spChg chg="add mod">
+          <ac:chgData name="Frederick, Samuel" userId="090dec4f-7d84-4616-bef6-b2226d1b24c4" providerId="ADAL" clId="{16E7F5A5-37CD-4DCF-AA86-0430B846547F}" dt="2021-06-25T17:28:34.500" v="11"/>
+          <ac:spMkLst>
+            <pc:docMk/>
+            <pc:sldMk cId="3695094907" sldId="260"/>
+            <ac:spMk id="15" creationId="{166E19D3-E968-46F8-A6B6-6F87ED2DA99E}"/>
+          </ac:spMkLst>
+        </pc:spChg>
+      </pc:sldChg>
+      <pc:sldMasterChg chg="modSldLayout">
+        <pc:chgData name="Frederick, Samuel" userId="090dec4f-7d84-4616-bef6-b2226d1b24c4" providerId="ADAL" clId="{16E7F5A5-37CD-4DCF-AA86-0430B846547F}" dt="2021-06-25T17:27:48.261" v="8"/>
+        <pc:sldMasterMkLst>
+          <pc:docMk/>
+          <pc:sldMasterMk cId="1191321755" sldId="2147483684"/>
+        </pc:sldMasterMkLst>
+        <pc:sldLayoutChg chg="addSp modSp mod">
+          <pc:chgData name="Frederick, Samuel" userId="090dec4f-7d84-4616-bef6-b2226d1b24c4" providerId="ADAL" clId="{16E7F5A5-37CD-4DCF-AA86-0430B846547F}" dt="2021-06-25T17:27:12.899" v="6" actId="20577"/>
+          <pc:sldLayoutMkLst>
+            <pc:docMk/>
+            <pc:sldMasterMk cId="1191321755" sldId="2147483684"/>
+            <pc:sldLayoutMk cId="6746695" sldId="2147483685"/>
+          </pc:sldLayoutMkLst>
+          <pc:spChg chg="mod">
+            <ac:chgData name="Frederick, Samuel" userId="090dec4f-7d84-4616-bef6-b2226d1b24c4" providerId="ADAL" clId="{16E7F5A5-37CD-4DCF-AA86-0430B846547F}" dt="2021-06-25T17:26:13.008" v="3" actId="14100"/>
+            <ac:spMkLst>
+              <pc:docMk/>
+              <pc:sldMasterMk cId="1191321755" sldId="2147483684"/>
+              <pc:sldLayoutMk cId="6746695" sldId="2147483685"/>
+              <ac:spMk id="7" creationId="{9C129ADE-2450-4964-9002-6159F00A83DF}"/>
+            </ac:spMkLst>
+          </pc:spChg>
+          <pc:spChg chg="add mod">
+            <ac:chgData name="Frederick, Samuel" userId="090dec4f-7d84-4616-bef6-b2226d1b24c4" providerId="ADAL" clId="{16E7F5A5-37CD-4DCF-AA86-0430B846547F}" dt="2021-06-25T17:27:12.899" v="6" actId="20577"/>
+            <ac:spMkLst>
+              <pc:docMk/>
+              <pc:sldMasterMk cId="1191321755" sldId="2147483684"/>
+              <pc:sldLayoutMk cId="6746695" sldId="2147483685"/>
+              <ac:spMk id="9" creationId="{B2C3F971-6563-4D48-8CDB-134B7D63D25E}"/>
+            </ac:spMkLst>
+          </pc:spChg>
+        </pc:sldLayoutChg>
+        <pc:sldLayoutChg chg="addSp delSp modSp mod">
+          <pc:chgData name="Frederick, Samuel" userId="090dec4f-7d84-4616-bef6-b2226d1b24c4" providerId="ADAL" clId="{16E7F5A5-37CD-4DCF-AA86-0430B846547F}" dt="2021-06-25T17:27:48.261" v="8"/>
+          <pc:sldLayoutMkLst>
+            <pc:docMk/>
+            <pc:sldMasterMk cId="1191321755" sldId="2147483684"/>
+            <pc:sldLayoutMk cId="1708679687" sldId="2147483696"/>
+          </pc:sldLayoutMkLst>
+          <pc:spChg chg="del">
+            <ac:chgData name="Frederick, Samuel" userId="090dec4f-7d84-4616-bef6-b2226d1b24c4" providerId="ADAL" clId="{16E7F5A5-37CD-4DCF-AA86-0430B846547F}" dt="2021-06-25T17:27:46.993" v="7" actId="478"/>
+            <ac:spMkLst>
+              <pc:docMk/>
+              <pc:sldMasterMk cId="1191321755" sldId="2147483684"/>
+              <pc:sldLayoutMk cId="1708679687" sldId="2147483696"/>
+              <ac:spMk id="6" creationId="{4A98EBBE-82D6-4F96-BC74-AD84E61479EE}"/>
+            </ac:spMkLst>
+          </pc:spChg>
+          <pc:spChg chg="add mod">
+            <ac:chgData name="Frederick, Samuel" userId="090dec4f-7d84-4616-bef6-b2226d1b24c4" providerId="ADAL" clId="{16E7F5A5-37CD-4DCF-AA86-0430B846547F}" dt="2021-06-25T17:27:48.261" v="8"/>
+            <ac:spMkLst>
+              <pc:docMk/>
+              <pc:sldMasterMk cId="1191321755" sldId="2147483684"/>
+              <pc:sldLayoutMk cId="1708679687" sldId="2147483696"/>
+              <ac:spMk id="11" creationId="{8B99C8BF-BF9B-481F-A038-CC1E27893E66}"/>
+            </ac:spMkLst>
+          </pc:spChg>
+          <pc:spChg chg="add mod">
+            <ac:chgData name="Frederick, Samuel" userId="090dec4f-7d84-4616-bef6-b2226d1b24c4" providerId="ADAL" clId="{16E7F5A5-37CD-4DCF-AA86-0430B846547F}" dt="2021-06-25T17:27:48.261" v="8"/>
+            <ac:spMkLst>
+              <pc:docMk/>
+              <pc:sldMasterMk cId="1191321755" sldId="2147483684"/>
+              <pc:sldLayoutMk cId="1708679687" sldId="2147483696"/>
+              <ac:spMk id="12" creationId="{2EFDDF6A-7F60-4092-B2D1-F357562A77BD}"/>
+            </ac:spMkLst>
+          </pc:spChg>
+        </pc:sldLayoutChg>
+      </pc:sldMasterChg>
+    </pc:docChg>
+  </pc:docChgLst>
   <pc:docChgLst>
     <pc:chgData name="Frederick, Samuel" userId="090dec4f-7d84-4616-bef6-b2226d1b24c4" providerId="ADAL" clId="{4B126191-4CA9-487C-BAEC-6AD27F68715D}"/>
     <pc:docChg chg="undo custSel modSld">
@@ -2661,7 +2904,7 @@
           <a:p>
             <a:fld id="{3086CAC7-D409-43E0-9239-3260F031D6D3}" type="datetimeFigureOut">
               <a:rPr lang="en-US" smtClean="0"/>
-              <a:t>3/16/2021</a:t>
+              <a:t>6/25/2021</a:t>
             </a:fld>
             <a:endParaRPr lang="en-US"/>
           </a:p>
@@ -2838,7 +3081,7 @@
           <a:p>
             <a:fld id="{3CA1DE52-DF04-4D3A-9C2F-16E440759AD9}" type="datetimeFigureOut">
               <a:rPr lang="en-US" smtClean="0"/>
-              <a:t>3/16/2021</a:t>
+              <a:t>6/25/2021</a:t>
             </a:fld>
             <a:endParaRPr lang="en-US"/>
           </a:p>
@@ -3223,7 +3466,7 @@
           <a:lstStyle/>
           <a:p>
             <a:pPr algn="ctr"/>
-            <a:endParaRPr lang="en-US" sz="8824"/>
+            <a:endParaRPr lang="en-US" sz="8824" dirty="0"/>
           </a:p>
         </p:txBody>
       </p:sp>
@@ -3333,8 +3576,8 @@
         </p:nvSpPr>
         <p:spPr>
           <a:xfrm>
-            <a:off x="594360" y="777240"/>
-            <a:ext cx="6263640" cy="1014984"/>
+            <a:off x="896112" y="466344"/>
+            <a:ext cx="6080760" cy="1170432"/>
           </a:xfrm>
           <a:prstGeom prst="rect">
             <a:avLst/>
@@ -3390,6 +3633,69 @@
           <a:p>
             <a:pPr lvl="0"/>
             <a:endParaRPr lang="en-US" dirty="0"/>
+          </a:p>
+        </p:txBody>
+      </p:sp>
+      <p:sp>
+        <p:nvSpPr>
+          <p:cNvPr id="9" name="Rectangle: Rounded Corners 8">
+            <a:extLst>
+              <a:ext uri="{FF2B5EF4-FFF2-40B4-BE49-F238E27FC236}">
+                <a16:creationId xmlns:a16="http://schemas.microsoft.com/office/drawing/2014/main" id="{B2C3F971-6563-4D48-8CDB-134B7D63D25E}"/>
+              </a:ext>
+            </a:extLst>
+          </p:cNvPr>
+          <p:cNvSpPr/>
+          <p:nvPr userDrawn="1"/>
+        </p:nvSpPr>
+        <p:spPr>
+          <a:xfrm>
+            <a:off x="924905" y="1748826"/>
+            <a:ext cx="5403333" cy="473876"/>
+          </a:xfrm>
+          <a:prstGeom prst="roundRect">
+            <a:avLst/>
+          </a:prstGeom>
+          <a:solidFill>
+            <a:srgbClr val="BA9ACA"/>
+          </a:solidFill>
+          <a:ln w="28575">
+            <a:solidFill>
+              <a:srgbClr val="DDCEEA"/>
+            </a:solidFill>
+          </a:ln>
+        </p:spPr>
+        <p:style>
+          <a:lnRef idx="2">
+            <a:schemeClr val="accent1">
+              <a:shade val="50000"/>
+            </a:schemeClr>
+          </a:lnRef>
+          <a:fillRef idx="1">
+            <a:schemeClr val="accent1"/>
+          </a:fillRef>
+          <a:effectRef idx="0">
+            <a:schemeClr val="accent1"/>
+          </a:effectRef>
+          <a:fontRef idx="minor">
+            <a:schemeClr val="lt1"/>
+          </a:fontRef>
+        </p:style>
+        <p:txBody>
+          <a:bodyPr rtlCol="0" anchor="ctr"/>
+          <a:lstStyle/>
+          <a:p>
+            <a:pPr algn="ctr"/>
+            <a:r>
+              <a:rPr lang="en-US" sz="2000" dirty="0">
+                <a:solidFill>
+                  <a:schemeClr val="bg1">
+                    <a:lumMod val="95000"/>
+                  </a:schemeClr>
+                </a:solidFill>
+              </a:rPr>
+              <a:t>This report reflects out-of-the-box performance</a:t>
+            </a:r>
           </a:p>
         </p:txBody>
       </p:sp>
@@ -3618,45 +3924,6 @@
       </p:sp>
       <p:sp>
         <p:nvSpPr>
-          <p:cNvPr id="6" name="Text Placeholder 4">
-            <a:extLst>
-              <a:ext uri="{FF2B5EF4-FFF2-40B4-BE49-F238E27FC236}">
-                <a16:creationId xmlns:a16="http://schemas.microsoft.com/office/drawing/2014/main" id="{4A98EBBE-82D6-4F96-BC74-AD84E61479EE}"/>
-              </a:ext>
-            </a:extLst>
-          </p:cNvPr>
-          <p:cNvSpPr>
-            <a:spLocks noGrp="1"/>
-          </p:cNvSpPr>
-          <p:nvPr>
-            <p:ph type="body" sz="quarter" idx="14"/>
-          </p:nvPr>
-        </p:nvSpPr>
-        <p:spPr>
-          <a:xfrm>
-            <a:off x="594360" y="777240"/>
-            <a:ext cx="6263640" cy="1014984"/>
-          </a:xfrm>
-          <a:prstGeom prst="rect">
-            <a:avLst/>
-          </a:prstGeom>
-        </p:spPr>
-        <p:txBody>
-          <a:bodyPr/>
-          <a:lstStyle>
-            <a:lvl1pPr marL="0" indent="0">
-              <a:buNone/>
-              <a:defRPr sz="3000"/>
-            </a:lvl1pPr>
-          </a:lstStyle>
-          <a:p>
-            <a:pPr lvl="0"/>
-            <a:endParaRPr lang="en-US" dirty="0"/>
-          </a:p>
-        </p:txBody>
-      </p:sp>
-      <p:sp>
-        <p:nvSpPr>
           <p:cNvPr id="10" name="Text Placeholder 12">
             <a:extLst>
               <a:ext uri="{FF2B5EF4-FFF2-40B4-BE49-F238E27FC236}">
@@ -3733,6 +4000,108 @@
             <a:r>
               <a:rPr lang="en-US" sz="1700" baseline="30000" dirty="0"/>
               <a:t> document. </a:t>
+            </a:r>
+          </a:p>
+        </p:txBody>
+      </p:sp>
+      <p:sp>
+        <p:nvSpPr>
+          <p:cNvPr id="11" name="Text Placeholder 4">
+            <a:extLst>
+              <a:ext uri="{FF2B5EF4-FFF2-40B4-BE49-F238E27FC236}">
+                <a16:creationId xmlns:a16="http://schemas.microsoft.com/office/drawing/2014/main" id="{8B99C8BF-BF9B-481F-A038-CC1E27893E66}"/>
+              </a:ext>
+            </a:extLst>
+          </p:cNvPr>
+          <p:cNvSpPr>
+            <a:spLocks noGrp="1"/>
+          </p:cNvSpPr>
+          <p:nvPr>
+            <p:ph type="body" sz="quarter" idx="14"/>
+          </p:nvPr>
+        </p:nvSpPr>
+        <p:spPr>
+          <a:xfrm>
+            <a:off x="896112" y="466344"/>
+            <a:ext cx="6080760" cy="1170432"/>
+          </a:xfrm>
+          <a:prstGeom prst="rect">
+            <a:avLst/>
+          </a:prstGeom>
+        </p:spPr>
+        <p:txBody>
+          <a:bodyPr/>
+          <a:lstStyle>
+            <a:lvl1pPr marL="0" indent="0">
+              <a:buNone/>
+              <a:defRPr sz="3000"/>
+            </a:lvl1pPr>
+          </a:lstStyle>
+          <a:p>
+            <a:pPr lvl="0"/>
+            <a:endParaRPr lang="en-US" dirty="0"/>
+          </a:p>
+        </p:txBody>
+      </p:sp>
+      <p:sp>
+        <p:nvSpPr>
+          <p:cNvPr id="12" name="Rectangle: Rounded Corners 11">
+            <a:extLst>
+              <a:ext uri="{FF2B5EF4-FFF2-40B4-BE49-F238E27FC236}">
+                <a16:creationId xmlns:a16="http://schemas.microsoft.com/office/drawing/2014/main" id="{2EFDDF6A-7F60-4092-B2D1-F357562A77BD}"/>
+              </a:ext>
+            </a:extLst>
+          </p:cNvPr>
+          <p:cNvSpPr/>
+          <p:nvPr userDrawn="1"/>
+        </p:nvSpPr>
+        <p:spPr>
+          <a:xfrm>
+            <a:off x="924905" y="1748826"/>
+            <a:ext cx="5403333" cy="473876"/>
+          </a:xfrm>
+          <a:prstGeom prst="roundRect">
+            <a:avLst/>
+          </a:prstGeom>
+          <a:solidFill>
+            <a:srgbClr val="BA9ACA"/>
+          </a:solidFill>
+          <a:ln w="28575">
+            <a:solidFill>
+              <a:srgbClr val="DDCEEA"/>
+            </a:solidFill>
+          </a:ln>
+        </p:spPr>
+        <p:style>
+          <a:lnRef idx="2">
+            <a:schemeClr val="accent1">
+              <a:shade val="50000"/>
+            </a:schemeClr>
+          </a:lnRef>
+          <a:fillRef idx="1">
+            <a:schemeClr val="accent1"/>
+          </a:fillRef>
+          <a:effectRef idx="0">
+            <a:schemeClr val="accent1"/>
+          </a:effectRef>
+          <a:fontRef idx="minor">
+            <a:schemeClr val="lt1"/>
+          </a:fontRef>
+        </p:style>
+        <p:txBody>
+          <a:bodyPr rtlCol="0" anchor="ctr"/>
+          <a:lstStyle/>
+          <a:p>
+            <a:pPr algn="ctr"/>
+            <a:r>
+              <a:rPr lang="en-US" sz="2000" dirty="0">
+                <a:solidFill>
+                  <a:schemeClr val="bg1">
+                    <a:lumMod val="95000"/>
+                  </a:schemeClr>
+                </a:solidFill>
+              </a:rPr>
+              <a:t>This report reflects out-of-the-box performance</a:t>
             </a:r>
           </a:p>
         </p:txBody>
@@ -4194,7 +4563,7 @@
           <p:nvPr>
             <p:extLst>
               <p:ext uri="{D42A27DB-BD31-4B8C-83A1-F6EECF244321}">
-                <p14:modId xmlns:p14="http://schemas.microsoft.com/office/powerpoint/2010/main" val="4222154933"/>
+                <p14:modId xmlns:p14="http://schemas.microsoft.com/office/powerpoint/2010/main" val="1176148480"/>
               </p:ext>
             </p:extLst>
           </p:nvPr>
@@ -4536,7 +4905,7 @@
                             <a:sysClr val="windowText" lastClr="000000"/>
                           </a:solidFill>
                         </a:rPr>
-                        <a:t>(City, State; Latitude &amp; Longitude)</a:t>
+                        <a:t>(City, State, Latitude and Longitude)</a:t>
                       </a:r>
                     </a:p>
                   </a:txBody>
@@ -9157,7 +9526,7 @@
           <p:nvPr>
             <p:extLst>
               <p:ext uri="{D42A27DB-BD31-4B8C-83A1-F6EECF244321}">
-                <p14:modId xmlns:p14="http://schemas.microsoft.com/office/powerpoint/2010/main" val="8117469"/>
+                <p14:modId xmlns:p14="http://schemas.microsoft.com/office/powerpoint/2010/main" val="2530439557"/>
               </p:ext>
             </p:extLst>
           </p:nvPr>
@@ -9386,7 +9755,7 @@
                             <a:sysClr val="windowText" lastClr="000000"/>
                           </a:solidFill>
                         </a:rPr>
-                        <a:t>Number 24-hr periods in FRM/FEM monitor measurements with a goal concentration of 25 </a:t>
+                        <a:t>Number of 24-hr periods in FRM/FEM monitor measurements with a goal concentration ≥ 25 </a:t>
                       </a:r>
                       <a:r>
                         <a:rPr lang="el-GR" sz="1100" b="0" dirty="0">
@@ -9558,7 +9927,7 @@
           <p:nvPr>
             <p:extLst>
               <p:ext uri="{D42A27DB-BD31-4B8C-83A1-F6EECF244321}">
-                <p14:modId xmlns:p14="http://schemas.microsoft.com/office/powerpoint/2010/main" val="3407703456"/>
+                <p14:modId xmlns:p14="http://schemas.microsoft.com/office/powerpoint/2010/main" val="4071192234"/>
               </p:ext>
             </p:extLst>
           </p:nvPr>
@@ -9755,7 +10124,7 @@
                             <a:sysClr val="windowText" lastClr="000000"/>
                           </a:solidFill>
                         </a:rPr>
-                        <a:t>M number of paired, normalized concentration and relative humidity values</a:t>
+                        <a:t>Mean number of paired, normalized concentration and relative humidity values</a:t>
                       </a:r>
                     </a:p>
                   </a:txBody>
@@ -9885,10 +10254,10 @@
       </p:graphicFrame>
       <p:sp>
         <p:nvSpPr>
-          <p:cNvPr id="3" name="Picture Placeholder 2">
+          <p:cNvPr id="2" name="Picture Placeholder 1">
             <a:extLst>
               <a:ext uri="{FF2B5EF4-FFF2-40B4-BE49-F238E27FC236}">
-                <a16:creationId xmlns:a16="http://schemas.microsoft.com/office/drawing/2014/main" id="{EC43C2E1-FF84-42C2-B9B6-D45A6FDCF74E}"/>
+                <a16:creationId xmlns:a16="http://schemas.microsoft.com/office/drawing/2014/main" id="{DF25D9C5-0140-43A2-9D86-F50EC8F42E3A}"/>
               </a:ext>
             </a:extLst>
           </p:cNvPr>
@@ -9903,10 +10272,10 @@
       </p:sp>
       <p:sp>
         <p:nvSpPr>
-          <p:cNvPr id="30" name="Text Placeholder 6">
+          <p:cNvPr id="4" name="Text Placeholder 3">
             <a:extLst>
               <a:ext uri="{FF2B5EF4-FFF2-40B4-BE49-F238E27FC236}">
-                <a16:creationId xmlns:a16="http://schemas.microsoft.com/office/drawing/2014/main" id="{52383DDE-3607-48CE-A7B4-400D3E2BA74C}"/>
+                <a16:creationId xmlns:a16="http://schemas.microsoft.com/office/drawing/2014/main" id="{5FA2AB1B-0DDB-4270-9042-278DCF800F26}"/>
               </a:ext>
             </a:extLst>
           </p:cNvPr>
@@ -9917,26 +10286,21 @@
             <p:ph type="body" sz="quarter" idx="14"/>
           </p:nvPr>
         </p:nvSpPr>
-        <p:spPr>
-          <a:xfrm>
-            <a:off x="593725" y="777875"/>
-            <a:ext cx="6264275" cy="1014413"/>
-          </a:xfrm>
-        </p:spPr>
+        <p:spPr/>
         <p:txBody>
           <a:bodyPr/>
           <a:lstStyle/>
           <a:p>
-            <a:endParaRPr lang="en-US" dirty="0"/>
+            <a:endParaRPr lang="en-US"/>
           </a:p>
         </p:txBody>
       </p:sp>
       <p:sp>
         <p:nvSpPr>
-          <p:cNvPr id="32" name="Text Placeholder 6">
+          <p:cNvPr id="6" name="Text Placeholder 5">
             <a:extLst>
               <a:ext uri="{FF2B5EF4-FFF2-40B4-BE49-F238E27FC236}">
-                <a16:creationId xmlns:a16="http://schemas.microsoft.com/office/drawing/2014/main" id="{8803B0E4-94DC-49ED-B09E-4AB178653AAC}"/>
+                <a16:creationId xmlns:a16="http://schemas.microsoft.com/office/drawing/2014/main" id="{D5BA74ED-89C1-407E-9747-8407E312C6D6}"/>
               </a:ext>
             </a:extLst>
           </p:cNvPr>
@@ -9947,17 +10311,12 @@
             <p:ph type="body" sz="quarter" idx="15"/>
           </p:nvPr>
         </p:nvSpPr>
-        <p:spPr>
-          <a:xfrm>
-            <a:off x="7132320" y="329184"/>
-            <a:ext cx="4361688" cy="1938528"/>
-          </a:xfrm>
-        </p:spPr>
+        <p:spPr/>
         <p:txBody>
           <a:bodyPr/>
           <a:lstStyle/>
           <a:p>
-            <a:endParaRPr lang="en-US" dirty="0"/>
+            <a:endParaRPr lang="en-US"/>
           </a:p>
         </p:txBody>
       </p:sp>
@@ -10018,6 +10377,74 @@
               <a:t>2</a:t>
             </a:fld>
             <a:endParaRPr lang="en-US" dirty="0"/>
+          </a:p>
+        </p:txBody>
+      </p:sp>
+      <p:sp>
+        <p:nvSpPr>
+          <p:cNvPr id="11" name="Picture Placeholder 10">
+            <a:extLst>
+              <a:ext uri="{FF2B5EF4-FFF2-40B4-BE49-F238E27FC236}">
+                <a16:creationId xmlns:a16="http://schemas.microsoft.com/office/drawing/2014/main" id="{298F8845-151A-4903-B51E-36945146BEA6}"/>
+              </a:ext>
+            </a:extLst>
+          </p:cNvPr>
+          <p:cNvSpPr>
+            <a:spLocks noGrp="1"/>
+          </p:cNvSpPr>
+          <p:nvPr>
+            <p:ph type="pic" sz="quarter" idx="13"/>
+          </p:nvPr>
+        </p:nvSpPr>
+        <p:spPr/>
+      </p:sp>
+      <p:sp>
+        <p:nvSpPr>
+          <p:cNvPr id="12" name="Text Placeholder 11">
+            <a:extLst>
+              <a:ext uri="{FF2B5EF4-FFF2-40B4-BE49-F238E27FC236}">
+                <a16:creationId xmlns:a16="http://schemas.microsoft.com/office/drawing/2014/main" id="{A982DFAA-961C-4308-8521-CD2CC0B5C8EC}"/>
+              </a:ext>
+            </a:extLst>
+          </p:cNvPr>
+          <p:cNvSpPr>
+            <a:spLocks noGrp="1"/>
+          </p:cNvSpPr>
+          <p:nvPr>
+            <p:ph type="body" sz="quarter" idx="14"/>
+          </p:nvPr>
+        </p:nvSpPr>
+        <p:spPr/>
+        <p:txBody>
+          <a:bodyPr/>
+          <a:lstStyle/>
+          <a:p>
+            <a:endParaRPr lang="en-US"/>
+          </a:p>
+        </p:txBody>
+      </p:sp>
+      <p:sp>
+        <p:nvSpPr>
+          <p:cNvPr id="15" name="Text Placeholder 14">
+            <a:extLst>
+              <a:ext uri="{FF2B5EF4-FFF2-40B4-BE49-F238E27FC236}">
+                <a16:creationId xmlns:a16="http://schemas.microsoft.com/office/drawing/2014/main" id="{166E19D3-E968-46F8-A6B6-6F87ED2DA99E}"/>
+              </a:ext>
+            </a:extLst>
+          </p:cNvPr>
+          <p:cNvSpPr>
+            <a:spLocks noGrp="1"/>
+          </p:cNvSpPr>
+          <p:nvPr>
+            <p:ph type="body" sz="quarter" idx="15"/>
+          </p:nvPr>
+        </p:nvSpPr>
+        <p:spPr/>
+        <p:txBody>
+          <a:bodyPr/>
+          <a:lstStyle/>
+          <a:p>
+            <a:endParaRPr lang="en-US"/>
           </a:p>
         </p:txBody>
       </p:sp>
@@ -13193,84 +13620,6 @@
           </a:graphicData>
         </a:graphic>
       </p:graphicFrame>
-      <p:sp>
-        <p:nvSpPr>
-          <p:cNvPr id="2" name="Picture Placeholder 1">
-            <a:extLst>
-              <a:ext uri="{FF2B5EF4-FFF2-40B4-BE49-F238E27FC236}">
-                <a16:creationId xmlns:a16="http://schemas.microsoft.com/office/drawing/2014/main" id="{12BA04D6-C757-4968-BA01-F5D9DB9535A0}"/>
-              </a:ext>
-            </a:extLst>
-          </p:cNvPr>
-          <p:cNvSpPr>
-            <a:spLocks noGrp="1"/>
-          </p:cNvSpPr>
-          <p:nvPr>
-            <p:ph type="pic" sz="quarter" idx="13"/>
-          </p:nvPr>
-        </p:nvSpPr>
-        <p:spPr/>
-      </p:sp>
-      <p:sp>
-        <p:nvSpPr>
-          <p:cNvPr id="13" name="Text Placeholder 6">
-            <a:extLst>
-              <a:ext uri="{FF2B5EF4-FFF2-40B4-BE49-F238E27FC236}">
-                <a16:creationId xmlns:a16="http://schemas.microsoft.com/office/drawing/2014/main" id="{57381A0D-B69E-4A24-B245-72BF7BC8473F}"/>
-              </a:ext>
-            </a:extLst>
-          </p:cNvPr>
-          <p:cNvSpPr>
-            <a:spLocks noGrp="1"/>
-          </p:cNvSpPr>
-          <p:nvPr>
-            <p:ph type="body" sz="quarter" idx="14"/>
-          </p:nvPr>
-        </p:nvSpPr>
-        <p:spPr>
-          <a:xfrm>
-            <a:off x="593725" y="777875"/>
-            <a:ext cx="6264275" cy="1014413"/>
-          </a:xfrm>
-        </p:spPr>
-        <p:txBody>
-          <a:bodyPr/>
-          <a:lstStyle/>
-          <a:p>
-            <a:endParaRPr lang="en-US" dirty="0"/>
-          </a:p>
-        </p:txBody>
-      </p:sp>
-      <p:sp>
-        <p:nvSpPr>
-          <p:cNvPr id="14" name="Text Placeholder 6">
-            <a:extLst>
-              <a:ext uri="{FF2B5EF4-FFF2-40B4-BE49-F238E27FC236}">
-                <a16:creationId xmlns:a16="http://schemas.microsoft.com/office/drawing/2014/main" id="{82BD2AFD-C4C4-4B13-9B40-F1FA8C3DD477}"/>
-              </a:ext>
-            </a:extLst>
-          </p:cNvPr>
-          <p:cNvSpPr>
-            <a:spLocks noGrp="1"/>
-          </p:cNvSpPr>
-          <p:nvPr>
-            <p:ph type="body" sz="quarter" idx="15"/>
-          </p:nvPr>
-        </p:nvSpPr>
-        <p:spPr>
-          <a:xfrm>
-            <a:off x="7132320" y="329184"/>
-            <a:ext cx="4361688" cy="1938528"/>
-          </a:xfrm>
-        </p:spPr>
-        <p:txBody>
-          <a:bodyPr/>
-          <a:lstStyle/>
-          <a:p>
-            <a:endParaRPr lang="en-US" dirty="0"/>
-          </a:p>
-        </p:txBody>
-      </p:sp>
     </p:spTree>
     <p:extLst>
       <p:ext uri="{BB962C8B-B14F-4D97-AF65-F5344CB8AC3E}">
@@ -14180,42 +14529,8 @@
 </file>
 
 <file path=customXml/item2.xml><?xml version="1.0" encoding="utf-8"?>
-<p:properties xmlns:p="http://schemas.microsoft.com/office/2006/metadata/properties" xmlns:xsi="http://www.w3.org/2001/XMLSchema-instance" xmlns:pc="http://schemas.microsoft.com/office/infopath/2007/PartnerControls">
-  <documentManagement>
-    <_Source xmlns="http://schemas.microsoft.com/sharepoint/v3/fields" xsi:nil="true"/>
-    <Language xmlns="http://schemas.microsoft.com/sharepoint/v3">English</Language>
-    <j747ac98061d40f0aa7bd47e1db5675d xmlns="4ffa91fb-a0ff-4ac5-b2db-65c790d184a4">
-      <Terms xmlns="http://schemas.microsoft.com/office/infopath/2007/PartnerControls"/>
-    </j747ac98061d40f0aa7bd47e1db5675d>
-    <External_x0020_Contributor xmlns="4ffa91fb-a0ff-4ac5-b2db-65c790d184a4" xsi:nil="true"/>
-    <TaxKeywordTaxHTField xmlns="4ffa91fb-a0ff-4ac5-b2db-65c790d184a4">
-      <Terms xmlns="http://schemas.microsoft.com/office/infopath/2007/PartnerControls"/>
-    </TaxKeywordTaxHTField>
-    <Record xmlns="4ffa91fb-a0ff-4ac5-b2db-65c790d184a4">Shared</Record>
-    <Rights xmlns="4ffa91fb-a0ff-4ac5-b2db-65c790d184a4" xsi:nil="true"/>
-    <Document_x0020_Creation_x0020_Date xmlns="4ffa91fb-a0ff-4ac5-b2db-65c790d184a4">2020-03-04T16:29:16+00:00</Document_x0020_Creation_x0020_Date>
-    <EPA_x0020_Office xmlns="4ffa91fb-a0ff-4ac5-b2db-65c790d184a4" xsi:nil="true"/>
-    <CategoryDescription xmlns="http://schemas.microsoft.com/sharepoint.v3" xsi:nil="true"/>
-    <Identifier xmlns="4ffa91fb-a0ff-4ac5-b2db-65c790d184a4" xsi:nil="true"/>
-    <_Coverage xmlns="http://schemas.microsoft.com/sharepoint/v3/fields" xsi:nil="true"/>
-    <Creator xmlns="4ffa91fb-a0ff-4ac5-b2db-65c790d184a4">
-      <UserInfo>
-        <DisplayName/>
-        <AccountId xsi:nil="true"/>
-        <AccountType/>
-      </UserInfo>
-    </Creator>
-    <EPA_x0020_Related_x0020_Documents xmlns="4ffa91fb-a0ff-4ac5-b2db-65c790d184a4" xsi:nil="true"/>
-    <EPA_x0020_Contributor xmlns="4ffa91fb-a0ff-4ac5-b2db-65c790d184a4">
-      <UserInfo>
-        <DisplayName/>
-        <AccountId xsi:nil="true"/>
-        <AccountType/>
-      </UserInfo>
-    </EPA_x0020_Contributor>
-    <TaxCatchAll xmlns="4ffa91fb-a0ff-4ac5-b2db-65c790d184a4"/>
-  </documentManagement>
-</p:properties>
+<?mso-contentType ?>
+<SharedContentType xmlns="Microsoft.SharePoint.Taxonomy.ContentTypeSync" SourceId="29f62856-1543-49d4-a736-4569d363f533" ContentTypeId="0x0101" PreviousValue="false"/>
 </file>
 
 <file path=customXml/item3.xml><?xml version="1.0" encoding="utf-8"?>
@@ -14617,8 +14932,42 @@
 </file>
 
 <file path=customXml/item4.xml><?xml version="1.0" encoding="utf-8"?>
-<?mso-contentType ?>
-<SharedContentType xmlns="Microsoft.SharePoint.Taxonomy.ContentTypeSync" SourceId="29f62856-1543-49d4-a736-4569d363f533" ContentTypeId="0x0101" PreviousValue="false"/>
+<p:properties xmlns:p="http://schemas.microsoft.com/office/2006/metadata/properties" xmlns:xsi="http://www.w3.org/2001/XMLSchema-instance" xmlns:pc="http://schemas.microsoft.com/office/infopath/2007/PartnerControls">
+  <documentManagement>
+    <_Source xmlns="http://schemas.microsoft.com/sharepoint/v3/fields" xsi:nil="true"/>
+    <Language xmlns="http://schemas.microsoft.com/sharepoint/v3">English</Language>
+    <j747ac98061d40f0aa7bd47e1db5675d xmlns="4ffa91fb-a0ff-4ac5-b2db-65c790d184a4">
+      <Terms xmlns="http://schemas.microsoft.com/office/infopath/2007/PartnerControls"/>
+    </j747ac98061d40f0aa7bd47e1db5675d>
+    <External_x0020_Contributor xmlns="4ffa91fb-a0ff-4ac5-b2db-65c790d184a4" xsi:nil="true"/>
+    <TaxKeywordTaxHTField xmlns="4ffa91fb-a0ff-4ac5-b2db-65c790d184a4">
+      <Terms xmlns="http://schemas.microsoft.com/office/infopath/2007/PartnerControls"/>
+    </TaxKeywordTaxHTField>
+    <Record xmlns="4ffa91fb-a0ff-4ac5-b2db-65c790d184a4">Shared</Record>
+    <Rights xmlns="4ffa91fb-a0ff-4ac5-b2db-65c790d184a4" xsi:nil="true"/>
+    <Document_x0020_Creation_x0020_Date xmlns="4ffa91fb-a0ff-4ac5-b2db-65c790d184a4">2020-03-04T16:29:16+00:00</Document_x0020_Creation_x0020_Date>
+    <EPA_x0020_Office xmlns="4ffa91fb-a0ff-4ac5-b2db-65c790d184a4" xsi:nil="true"/>
+    <CategoryDescription xmlns="http://schemas.microsoft.com/sharepoint.v3" xsi:nil="true"/>
+    <Identifier xmlns="4ffa91fb-a0ff-4ac5-b2db-65c790d184a4" xsi:nil="true"/>
+    <_Coverage xmlns="http://schemas.microsoft.com/sharepoint/v3/fields" xsi:nil="true"/>
+    <Creator xmlns="4ffa91fb-a0ff-4ac5-b2db-65c790d184a4">
+      <UserInfo>
+        <DisplayName/>
+        <AccountId xsi:nil="true"/>
+        <AccountType/>
+      </UserInfo>
+    </Creator>
+    <EPA_x0020_Related_x0020_Documents xmlns="4ffa91fb-a0ff-4ac5-b2db-65c790d184a4" xsi:nil="true"/>
+    <EPA_x0020_Contributor xmlns="4ffa91fb-a0ff-4ac5-b2db-65c790d184a4">
+      <UserInfo>
+        <DisplayName/>
+        <AccountId xsi:nil="true"/>
+        <AccountType/>
+      </UserInfo>
+    </EPA_x0020_Contributor>
+    <TaxCatchAll xmlns="4ffa91fb-a0ff-4ac5-b2db-65c790d184a4"/>
+  </documentManagement>
+</p:properties>
 </file>
 
 <file path=customXml/itemProps1.xml><?xml version="1.0" encoding="utf-8"?>
@@ -14630,14 +14979,9 @@
 </file>
 
 <file path=customXml/itemProps2.xml><?xml version="1.0" encoding="utf-8"?>
-<ds:datastoreItem xmlns:ds="http://schemas.openxmlformats.org/officeDocument/2006/customXml" ds:itemID="{2EED311A-CCB5-4625-B52F-BB9F85A51581}">
+<ds:datastoreItem xmlns:ds="http://schemas.openxmlformats.org/officeDocument/2006/customXml" ds:itemID="{9D969709-82DA-4F6F-85CB-B966EACA0A33}">
   <ds:schemaRefs>
-    <ds:schemaRef ds:uri="http://schemas.microsoft.com/office/2006/metadata/properties"/>
-    <ds:schemaRef ds:uri="http://schemas.microsoft.com/office/infopath/2007/PartnerControls"/>
-    <ds:schemaRef ds:uri="http://schemas.microsoft.com/sharepoint/v3/fields"/>
-    <ds:schemaRef ds:uri="http://schemas.microsoft.com/sharepoint/v3"/>
-    <ds:schemaRef ds:uri="4ffa91fb-a0ff-4ac5-b2db-65c790d184a4"/>
-    <ds:schemaRef ds:uri="http://schemas.microsoft.com/sharepoint.v3"/>
+    <ds:schemaRef ds:uri="Microsoft.SharePoint.Taxonomy.ContentTypeSync"/>
   </ds:schemaRefs>
 </ds:datastoreItem>
 </file>
@@ -14665,9 +15009,14 @@
 </file>
 
 <file path=customXml/itemProps4.xml><?xml version="1.0" encoding="utf-8"?>
-<ds:datastoreItem xmlns:ds="http://schemas.openxmlformats.org/officeDocument/2006/customXml" ds:itemID="{9D969709-82DA-4F6F-85CB-B966EACA0A33}">
+<ds:datastoreItem xmlns:ds="http://schemas.openxmlformats.org/officeDocument/2006/customXml" ds:itemID="{2EED311A-CCB5-4625-B52F-BB9F85A51581}">
   <ds:schemaRefs>
-    <ds:schemaRef ds:uri="Microsoft.SharePoint.Taxonomy.ContentTypeSync"/>
+    <ds:schemaRef ds:uri="http://schemas.microsoft.com/office/2006/metadata/properties"/>
+    <ds:schemaRef ds:uri="http://schemas.microsoft.com/office/infopath/2007/PartnerControls"/>
+    <ds:schemaRef ds:uri="http://schemas.microsoft.com/sharepoint/v3/fields"/>
+    <ds:schemaRef ds:uri="http://schemas.microsoft.com/sharepoint/v3"/>
+    <ds:schemaRef ds:uri="4ffa91fb-a0ff-4ac5-b2db-65c790d184a4"/>
+    <ds:schemaRef ds:uri="http://schemas.microsoft.com/sharepoint.v3"/>
   </ds:schemaRefs>
 </ds:datastoreItem>
 </file>